--- a/img/좌석선택 mockup.pptx
+++ b/img/좌석선택 mockup.pptx
@@ -105,6 +105,11 @@
       </a:defRPr>
     </a:lvl9pPr>
   </p:defaultTextStyle>
+  <p:extLst>
+    <p:ext uri="{EFAFB233-063F-42B5-8137-9DF3F51BA10A}">
+      <p15:sldGuideLst xmlns:p15="http://schemas.microsoft.com/office/powerpoint/2012/main"/>
+    </p:ext>
+  </p:extLst>
 </p:presentation>
 </file>
 
@@ -3434,860 +3439,1248 @@
           <a:chExt cx="0" cy="0"/>
         </a:xfrm>
       </p:grpSpPr>
-      <p:sp>
-        <p:nvSpPr>
-          <p:cNvPr id="5" name="직사각형 4">
-            <a:extLst>
-              <a:ext uri="{FF2B5EF4-FFF2-40B4-BE49-F238E27FC236}">
-                <a16:creationId xmlns:a16="http://schemas.microsoft.com/office/drawing/2014/main" id="{8DC2E1F1-E1FE-4580-8427-65205F975677}"/>
-              </a:ext>
-            </a:extLst>
-          </p:cNvPr>
-          <p:cNvSpPr/>
+      <p:grpSp>
+        <p:nvGrpSpPr>
+          <p:cNvPr id="8" name="그룹 7">
+            <a:extLst>
+              <a:ext uri="{FF2B5EF4-FFF2-40B4-BE49-F238E27FC236}">
+                <a16:creationId xmlns:a16="http://schemas.microsoft.com/office/drawing/2014/main" id="{0C7768C5-A38D-4D19-878F-067FEEE327FC}"/>
+              </a:ext>
+            </a:extLst>
+          </p:cNvPr>
+          <p:cNvGrpSpPr/>
           <p:nvPr/>
-        </p:nvSpPr>
-        <p:spPr>
+        </p:nvGrpSpPr>
+        <p:grpSpPr>
           <a:xfrm>
-            <a:off x="2410968" y="574728"/>
+            <a:off x="2481870" y="584118"/>
             <a:ext cx="6629400" cy="5437452"/>
+            <a:chOff x="2481870" y="584118"/>
+            <a:chExt cx="6629400" cy="5437452"/>
           </a:xfrm>
-          <a:prstGeom prst="rect">
-            <a:avLst/>
-          </a:prstGeom>
-          <a:solidFill>
-            <a:srgbClr val="242333"/>
-          </a:solidFill>
-          <a:ln>
+        </p:grpSpPr>
+        <p:sp>
+          <p:nvSpPr>
+            <p:cNvPr id="5" name="직사각형 4">
+              <a:extLst>
+                <a:ext uri="{FF2B5EF4-FFF2-40B4-BE49-F238E27FC236}">
+                  <a16:creationId xmlns:a16="http://schemas.microsoft.com/office/drawing/2014/main" id="{8DC2E1F1-E1FE-4580-8427-65205F975677}"/>
+                </a:ext>
+              </a:extLst>
+            </p:cNvPr>
+            <p:cNvSpPr/>
+            <p:nvPr/>
+          </p:nvSpPr>
+          <p:spPr>
+            <a:xfrm>
+              <a:off x="2481870" y="584118"/>
+              <a:ext cx="6629400" cy="5437452"/>
+            </a:xfrm>
+            <a:prstGeom prst="rect">
+              <a:avLst/>
+            </a:prstGeom>
+            <a:solidFill>
+              <a:srgbClr val="242333"/>
+            </a:solidFill>
+            <a:ln>
+              <a:noFill/>
+            </a:ln>
+          </p:spPr>
+          <p:style>
+            <a:lnRef idx="2">
+              <a:schemeClr val="accent1">
+                <a:shade val="50000"/>
+              </a:schemeClr>
+            </a:lnRef>
+            <a:fillRef idx="1">
+              <a:schemeClr val="accent1"/>
+            </a:fillRef>
+            <a:effectRef idx="0">
+              <a:schemeClr val="accent1"/>
+            </a:effectRef>
+            <a:fontRef idx="minor">
+              <a:schemeClr val="lt1"/>
+            </a:fontRef>
+          </p:style>
+          <p:txBody>
+            <a:bodyPr rtlCol="0" anchor="ctr"/>
+            <a:lstStyle/>
+            <a:p>
+              <a:pPr algn="ctr"/>
+              <a:endParaRPr lang="ko-KR" altLang="en-US"/>
+            </a:p>
+          </p:txBody>
+        </p:sp>
+        <p:sp>
+          <p:nvSpPr>
+            <p:cNvPr id="2" name="TextBox 1">
+              <a:extLst>
+                <a:ext uri="{FF2B5EF4-FFF2-40B4-BE49-F238E27FC236}">
+                  <a16:creationId xmlns:a16="http://schemas.microsoft.com/office/drawing/2014/main" id="{0DCA76EB-A4E4-4802-86A1-47A00F2AB652}"/>
+                </a:ext>
+              </a:extLst>
+            </p:cNvPr>
+            <p:cNvSpPr txBox="1"/>
+            <p:nvPr/>
+          </p:nvSpPr>
+          <p:spPr>
+            <a:xfrm>
+              <a:off x="4332213" y="881483"/>
+              <a:ext cx="1024360" cy="338554"/>
+            </a:xfrm>
+            <a:prstGeom prst="rect">
+              <a:avLst/>
+            </a:prstGeom>
             <a:noFill/>
-          </a:ln>
-        </p:spPr>
-        <p:style>
-          <a:lnRef idx="2">
-            <a:schemeClr val="accent1">
-              <a:shade val="50000"/>
-            </a:schemeClr>
-          </a:lnRef>
-          <a:fillRef idx="1">
-            <a:schemeClr val="accent1"/>
-          </a:fillRef>
-          <a:effectRef idx="0">
-            <a:schemeClr val="accent1"/>
-          </a:effectRef>
-          <a:fontRef idx="minor">
-            <a:schemeClr val="lt1"/>
-          </a:fontRef>
-        </p:style>
-        <p:txBody>
-          <a:bodyPr rtlCol="0" anchor="ctr"/>
-          <a:lstStyle/>
-          <a:p>
-            <a:pPr algn="ctr"/>
-            <a:endParaRPr lang="ko-KR" altLang="en-US"/>
-          </a:p>
-        </p:txBody>
-      </p:sp>
-      <p:sp>
-        <p:nvSpPr>
-          <p:cNvPr id="2" name="TextBox 1">
-            <a:extLst>
-              <a:ext uri="{FF2B5EF4-FFF2-40B4-BE49-F238E27FC236}">
-                <a16:creationId xmlns:a16="http://schemas.microsoft.com/office/drawing/2014/main" id="{0DCA76EB-A4E4-4802-86A1-47A00F2AB652}"/>
-              </a:ext>
-            </a:extLst>
-          </p:cNvPr>
-          <p:cNvSpPr txBox="1"/>
-          <p:nvPr/>
-        </p:nvSpPr>
-        <p:spPr>
-          <a:xfrm>
-            <a:off x="4332213" y="881483"/>
-            <a:ext cx="1024360" cy="338554"/>
-          </a:xfrm>
-          <a:prstGeom prst="rect">
-            <a:avLst/>
-          </a:prstGeom>
-          <a:noFill/>
-        </p:spPr>
-        <p:txBody>
-          <a:bodyPr wrap="square" rtlCol="0">
-            <a:spAutoFit/>
-          </a:bodyPr>
-          <a:lstStyle/>
-          <a:p>
-            <a:r>
-              <a:rPr lang="en-US" altLang="ko-KR" sz="1600" b="1" dirty="0">
+          </p:spPr>
+          <p:txBody>
+            <a:bodyPr wrap="square" rtlCol="0">
+              <a:spAutoFit/>
+            </a:bodyPr>
+            <a:lstStyle/>
+            <a:p>
+              <a:r>
+                <a:rPr lang="en-US" altLang="ko-KR" sz="1600" b="1" dirty="0">
+                  <a:solidFill>
+                    <a:schemeClr val="bg1"/>
+                  </a:solidFill>
+                </a:rPr>
+                <a:t>Movie : </a:t>
+              </a:r>
+              <a:endParaRPr lang="ko-KR" altLang="en-US" sz="1600" b="1" dirty="0">
                 <a:solidFill>
                   <a:schemeClr val="bg1"/>
                 </a:solidFill>
-              </a:rPr>
-              <a:t>Movie : </a:t>
-            </a:r>
-            <a:endParaRPr lang="ko-KR" altLang="en-US" sz="1600" b="1" dirty="0">
+              </a:endParaRPr>
+            </a:p>
+          </p:txBody>
+        </p:sp>
+        <p:pic>
+          <p:nvPicPr>
+            <p:cNvPr id="6" name="그림 5">
+              <a:extLst>
+                <a:ext uri="{FF2B5EF4-FFF2-40B4-BE49-F238E27FC236}">
+                  <a16:creationId xmlns:a16="http://schemas.microsoft.com/office/drawing/2014/main" id="{D7D72C44-1ED7-4838-85E2-7EEA5BE3BEE0}"/>
+                </a:ext>
+              </a:extLst>
+            </p:cNvPr>
+            <p:cNvPicPr>
+              <a:picLocks noChangeAspect="1"/>
+            </p:cNvPicPr>
+            <p:nvPr/>
+          </p:nvPicPr>
+          <p:blipFill rotWithShape="1">
+            <a:blip r:embed="rId2"/>
+            <a:srcRect l="41849" t="20663" r="35052" b="72509"/>
+            <a:stretch/>
+          </p:blipFill>
+          <p:spPr>
+            <a:xfrm>
+              <a:off x="5219249" y="873283"/>
+              <a:ext cx="2129742" cy="451310"/>
+            </a:xfrm>
+            <a:prstGeom prst="rect">
+              <a:avLst/>
+            </a:prstGeom>
+          </p:spPr>
+        </p:pic>
+        <p:sp>
+          <p:nvSpPr>
+            <p:cNvPr id="7" name="TextBox 6">
+              <a:extLst>
+                <a:ext uri="{FF2B5EF4-FFF2-40B4-BE49-F238E27FC236}">
+                  <a16:creationId xmlns:a16="http://schemas.microsoft.com/office/drawing/2014/main" id="{DC30381E-E8C1-496D-833D-E947C191B258}"/>
+                </a:ext>
+              </a:extLst>
+            </p:cNvPr>
+            <p:cNvSpPr txBox="1"/>
+            <p:nvPr/>
+          </p:nvSpPr>
+          <p:spPr>
+            <a:xfrm>
+              <a:off x="3765180" y="1492848"/>
+              <a:ext cx="1336875" cy="276999"/>
+            </a:xfrm>
+            <a:prstGeom prst="rect">
+              <a:avLst/>
+            </a:prstGeom>
+            <a:noFill/>
+          </p:spPr>
+          <p:txBody>
+            <a:bodyPr wrap="square" rtlCol="0">
+              <a:spAutoFit/>
+            </a:bodyPr>
+            <a:lstStyle/>
+            <a:p>
+              <a:r>
+                <a:rPr lang="en-US" altLang="ko-KR" sz="1200" dirty="0">
+                  <a:solidFill>
+                    <a:schemeClr val="bg1"/>
+                  </a:solidFill>
+                </a:rPr>
+                <a:t>Children</a:t>
+              </a:r>
+              <a:endParaRPr lang="ko-KR" altLang="en-US" sz="1200" dirty="0">
+                <a:solidFill>
+                  <a:schemeClr val="bg1"/>
+                </a:solidFill>
+              </a:endParaRPr>
+            </a:p>
+          </p:txBody>
+        </p:sp>
+        <p:sp>
+          <p:nvSpPr>
+            <p:cNvPr id="11" name="TextBox 10">
+              <a:extLst>
+                <a:ext uri="{FF2B5EF4-FFF2-40B4-BE49-F238E27FC236}">
+                  <a16:creationId xmlns:a16="http://schemas.microsoft.com/office/drawing/2014/main" id="{ADFC800F-50BA-4CF3-A09B-FA555152FC5E}"/>
+                </a:ext>
+              </a:extLst>
+            </p:cNvPr>
+            <p:cNvSpPr txBox="1"/>
+            <p:nvPr/>
+          </p:nvSpPr>
+          <p:spPr>
+            <a:xfrm>
+              <a:off x="5879032" y="1481957"/>
+              <a:ext cx="1336875" cy="307777"/>
+            </a:xfrm>
+            <a:prstGeom prst="rect">
+              <a:avLst/>
+            </a:prstGeom>
+            <a:noFill/>
+          </p:spPr>
+          <p:txBody>
+            <a:bodyPr wrap="square" rtlCol="0">
+              <a:spAutoFit/>
+            </a:bodyPr>
+            <a:lstStyle/>
+            <a:p>
+              <a:r>
+                <a:rPr lang="en-US" altLang="ko-KR" sz="1400" dirty="0">
+                  <a:solidFill>
+                    <a:schemeClr val="bg1"/>
+                  </a:solidFill>
+                </a:rPr>
+                <a:t>Adult</a:t>
+              </a:r>
+              <a:endParaRPr lang="ko-KR" altLang="en-US" sz="1400" dirty="0">
+                <a:solidFill>
+                  <a:schemeClr val="bg1"/>
+                </a:solidFill>
+              </a:endParaRPr>
+            </a:p>
+          </p:txBody>
+        </p:sp>
+        <p:pic>
+          <p:nvPicPr>
+            <p:cNvPr id="12" name="그림 11">
+              <a:extLst>
+                <a:ext uri="{FF2B5EF4-FFF2-40B4-BE49-F238E27FC236}">
+                  <a16:creationId xmlns:a16="http://schemas.microsoft.com/office/drawing/2014/main" id="{D8BA1EBF-CC05-4D60-86FE-F6192BD21E12}"/>
+                </a:ext>
+              </a:extLst>
+            </p:cNvPr>
+            <p:cNvPicPr>
+              <a:picLocks noChangeAspect="1"/>
+            </p:cNvPicPr>
+            <p:nvPr/>
+          </p:nvPicPr>
+          <p:blipFill rotWithShape="1">
+            <a:blip r:embed="rId2"/>
+            <a:srcRect l="26529" t="29641" r="28843" b="9118"/>
+            <a:stretch/>
+          </p:blipFill>
+          <p:spPr>
+            <a:xfrm>
+              <a:off x="3984990" y="2042653"/>
+              <a:ext cx="3623160" cy="3564424"/>
+            </a:xfrm>
+            <a:prstGeom prst="rect">
+              <a:avLst/>
+            </a:prstGeom>
+          </p:spPr>
+        </p:pic>
+        <p:sp>
+          <p:nvSpPr>
+            <p:cNvPr id="3" name="사각형: 둥근 모서리 2">
+              <a:extLst>
+                <a:ext uri="{FF2B5EF4-FFF2-40B4-BE49-F238E27FC236}">
+                  <a16:creationId xmlns:a16="http://schemas.microsoft.com/office/drawing/2014/main" id="{D5E0ABE8-03CF-48C3-BC49-ECE3F3745AEA}"/>
+                </a:ext>
+              </a:extLst>
+            </p:cNvPr>
+            <p:cNvSpPr/>
+            <p:nvPr/>
+          </p:nvSpPr>
+          <p:spPr>
+            <a:xfrm>
+              <a:off x="4837774" y="1492848"/>
+              <a:ext cx="347472" cy="289153"/>
+            </a:xfrm>
+            <a:prstGeom prst="roundRect">
+              <a:avLst/>
+            </a:prstGeom>
+            <a:solidFill>
+              <a:schemeClr val="bg1"/>
+            </a:solidFill>
+            <a:ln>
+              <a:noFill/>
+            </a:ln>
+          </p:spPr>
+          <p:style>
+            <a:lnRef idx="2">
+              <a:schemeClr val="accent1">
+                <a:shade val="50000"/>
+              </a:schemeClr>
+            </a:lnRef>
+            <a:fillRef idx="1">
+              <a:schemeClr val="accent1"/>
+            </a:fillRef>
+            <a:effectRef idx="0">
+              <a:schemeClr val="accent1"/>
+            </a:effectRef>
+            <a:fontRef idx="minor">
+              <a:schemeClr val="lt1"/>
+            </a:fontRef>
+          </p:style>
+          <p:txBody>
+            <a:bodyPr rtlCol="0" anchor="ctr"/>
+            <a:lstStyle/>
+            <a:p>
+              <a:pPr algn="ctr"/>
+              <a:endParaRPr lang="ko-KR" altLang="en-US"/>
+            </a:p>
+          </p:txBody>
+        </p:sp>
+        <p:sp>
+          <p:nvSpPr>
+            <p:cNvPr id="13" name="TextBox 12">
+              <a:extLst>
+                <a:ext uri="{FF2B5EF4-FFF2-40B4-BE49-F238E27FC236}">
+                  <a16:creationId xmlns:a16="http://schemas.microsoft.com/office/drawing/2014/main" id="{62F02B4A-1FE4-4E2F-88E6-AFB29C5EB7C1}"/>
+                </a:ext>
+              </a:extLst>
+            </p:cNvPr>
+            <p:cNvSpPr txBox="1"/>
+            <p:nvPr/>
+          </p:nvSpPr>
+          <p:spPr>
+            <a:xfrm>
+              <a:off x="4859342" y="1462068"/>
+              <a:ext cx="286396" cy="338554"/>
+            </a:xfrm>
+            <a:prstGeom prst="rect">
+              <a:avLst/>
+            </a:prstGeom>
+            <a:noFill/>
+          </p:spPr>
+          <p:txBody>
+            <a:bodyPr wrap="square" rtlCol="0">
+              <a:spAutoFit/>
+            </a:bodyPr>
+            <a:lstStyle/>
+            <a:p>
+              <a:r>
+                <a:rPr lang="en-US" altLang="ko-KR" sz="1600" b="1" dirty="0">
+                  <a:solidFill>
+                    <a:srgbClr val="242333"/>
+                  </a:solidFill>
+                </a:rPr>
+                <a:t>0</a:t>
+              </a:r>
+              <a:endParaRPr lang="ko-KR" altLang="en-US" sz="1600" b="1" dirty="0">
+                <a:solidFill>
+                  <a:srgbClr val="242333"/>
+                </a:solidFill>
+              </a:endParaRPr>
+            </a:p>
+          </p:txBody>
+        </p:sp>
+        <p:sp>
+          <p:nvSpPr>
+            <p:cNvPr id="19" name="사각형: 둥근 모서리 18">
+              <a:extLst>
+                <a:ext uri="{FF2B5EF4-FFF2-40B4-BE49-F238E27FC236}">
+                  <a16:creationId xmlns:a16="http://schemas.microsoft.com/office/drawing/2014/main" id="{0AFC50E2-28A1-49CB-B88E-CEDC30B5F06E}"/>
+                </a:ext>
+              </a:extLst>
+            </p:cNvPr>
+            <p:cNvSpPr/>
+            <p:nvPr/>
+          </p:nvSpPr>
+          <p:spPr>
+            <a:xfrm>
+              <a:off x="5225499" y="1499007"/>
+              <a:ext cx="282526" cy="282994"/>
+            </a:xfrm>
+            <a:prstGeom prst="roundRect">
+              <a:avLst/>
+            </a:prstGeom>
+            <a:noFill/>
+            <a:ln>
               <a:solidFill>
                 <a:schemeClr val="bg1"/>
               </a:solidFill>
-            </a:endParaRPr>
-          </a:p>
-        </p:txBody>
-      </p:sp>
-      <p:pic>
-        <p:nvPicPr>
-          <p:cNvPr id="6" name="그림 5">
-            <a:extLst>
-              <a:ext uri="{FF2B5EF4-FFF2-40B4-BE49-F238E27FC236}">
-                <a16:creationId xmlns:a16="http://schemas.microsoft.com/office/drawing/2014/main" id="{D7D72C44-1ED7-4838-85E2-7EEA5BE3BEE0}"/>
-              </a:ext>
-            </a:extLst>
-          </p:cNvPr>
-          <p:cNvPicPr>
-            <a:picLocks noChangeAspect="1"/>
-          </p:cNvPicPr>
-          <p:nvPr/>
-        </p:nvPicPr>
-        <p:blipFill rotWithShape="1">
-          <a:blip r:embed="rId2"/>
-          <a:srcRect l="41849" t="20663" r="35052" b="72509"/>
-          <a:stretch/>
-        </p:blipFill>
-        <p:spPr>
-          <a:xfrm>
-            <a:off x="5219249" y="873283"/>
-            <a:ext cx="2129742" cy="451310"/>
-          </a:xfrm>
-          <a:prstGeom prst="rect">
-            <a:avLst/>
-          </a:prstGeom>
-        </p:spPr>
-      </p:pic>
-      <p:sp>
-        <p:nvSpPr>
-          <p:cNvPr id="7" name="TextBox 6">
-            <a:extLst>
-              <a:ext uri="{FF2B5EF4-FFF2-40B4-BE49-F238E27FC236}">
-                <a16:creationId xmlns:a16="http://schemas.microsoft.com/office/drawing/2014/main" id="{DC30381E-E8C1-496D-833D-E947C191B258}"/>
-              </a:ext>
-            </a:extLst>
-          </p:cNvPr>
-          <p:cNvSpPr txBox="1"/>
-          <p:nvPr/>
-        </p:nvSpPr>
-        <p:spPr>
-          <a:xfrm>
-            <a:off x="3765180" y="1492848"/>
-            <a:ext cx="1336875" cy="276999"/>
-          </a:xfrm>
-          <a:prstGeom prst="rect">
-            <a:avLst/>
-          </a:prstGeom>
-          <a:noFill/>
-        </p:spPr>
-        <p:txBody>
-          <a:bodyPr wrap="square" rtlCol="0">
-            <a:spAutoFit/>
-          </a:bodyPr>
-          <a:lstStyle/>
-          <a:p>
-            <a:r>
-              <a:rPr lang="en-US" altLang="ko-KR" sz="1200" dirty="0">
-                <a:solidFill>
-                  <a:schemeClr val="bg1"/>
-                </a:solidFill>
-              </a:rPr>
-              <a:t>Children</a:t>
-            </a:r>
-            <a:endParaRPr lang="ko-KR" altLang="en-US" sz="1200" dirty="0">
+            </a:ln>
+          </p:spPr>
+          <p:style>
+            <a:lnRef idx="2">
+              <a:schemeClr val="accent1">
+                <a:shade val="50000"/>
+              </a:schemeClr>
+            </a:lnRef>
+            <a:fillRef idx="1">
+              <a:schemeClr val="accent1"/>
+            </a:fillRef>
+            <a:effectRef idx="0">
+              <a:schemeClr val="accent1"/>
+            </a:effectRef>
+            <a:fontRef idx="minor">
+              <a:schemeClr val="lt1"/>
+            </a:fontRef>
+          </p:style>
+          <p:txBody>
+            <a:bodyPr rtlCol="0" anchor="ctr"/>
+            <a:lstStyle/>
+            <a:p>
+              <a:pPr algn="ctr"/>
+              <a:endParaRPr lang="ko-KR" altLang="en-US"/>
+            </a:p>
+          </p:txBody>
+        </p:sp>
+        <p:sp>
+          <p:nvSpPr>
+            <p:cNvPr id="21" name="십자형 20">
+              <a:extLst>
+                <a:ext uri="{FF2B5EF4-FFF2-40B4-BE49-F238E27FC236}">
+                  <a16:creationId xmlns:a16="http://schemas.microsoft.com/office/drawing/2014/main" id="{972B5678-26B9-4AD5-9557-924C92766E8B}"/>
+                </a:ext>
+              </a:extLst>
+            </p:cNvPr>
+            <p:cNvSpPr/>
+            <p:nvPr/>
+          </p:nvSpPr>
+          <p:spPr>
+            <a:xfrm>
+              <a:off x="5284586" y="1559416"/>
+              <a:ext cx="164485" cy="156825"/>
+            </a:xfrm>
+            <a:prstGeom prst="plus">
+              <a:avLst>
+                <a:gd name="adj" fmla="val 44652"/>
+              </a:avLst>
+            </a:prstGeom>
+            <a:solidFill>
+              <a:schemeClr val="bg1"/>
+            </a:solidFill>
+            <a:ln>
+              <a:noFill/>
+            </a:ln>
+          </p:spPr>
+          <p:style>
+            <a:lnRef idx="2">
+              <a:schemeClr val="accent1">
+                <a:shade val="50000"/>
+              </a:schemeClr>
+            </a:lnRef>
+            <a:fillRef idx="1">
+              <a:schemeClr val="accent1"/>
+            </a:fillRef>
+            <a:effectRef idx="0">
+              <a:schemeClr val="accent1"/>
+            </a:effectRef>
+            <a:fontRef idx="minor">
+              <a:schemeClr val="lt1"/>
+            </a:fontRef>
+          </p:style>
+          <p:txBody>
+            <a:bodyPr rtlCol="0" anchor="ctr"/>
+            <a:lstStyle/>
+            <a:p>
+              <a:pPr algn="ctr"/>
+              <a:endParaRPr lang="ko-KR" altLang="en-US"/>
+            </a:p>
+          </p:txBody>
+        </p:sp>
+        <p:sp>
+          <p:nvSpPr>
+            <p:cNvPr id="23" name="사각형: 둥근 모서리 22">
+              <a:extLst>
+                <a:ext uri="{FF2B5EF4-FFF2-40B4-BE49-F238E27FC236}">
+                  <a16:creationId xmlns:a16="http://schemas.microsoft.com/office/drawing/2014/main" id="{EFC1902F-E8A9-423C-97F0-34D94C2ED454}"/>
+                </a:ext>
+              </a:extLst>
+            </p:cNvPr>
+            <p:cNvSpPr/>
+            <p:nvPr/>
+          </p:nvSpPr>
+          <p:spPr>
+            <a:xfrm>
+              <a:off x="4502344" y="1499007"/>
+              <a:ext cx="282526" cy="282994"/>
+            </a:xfrm>
+            <a:prstGeom prst="roundRect">
+              <a:avLst/>
+            </a:prstGeom>
+            <a:noFill/>
+            <a:ln>
               <a:solidFill>
                 <a:schemeClr val="bg1"/>
               </a:solidFill>
-            </a:endParaRPr>
-          </a:p>
-        </p:txBody>
-      </p:sp>
-      <p:sp>
-        <p:nvSpPr>
-          <p:cNvPr id="11" name="TextBox 10">
-            <a:extLst>
-              <a:ext uri="{FF2B5EF4-FFF2-40B4-BE49-F238E27FC236}">
-                <a16:creationId xmlns:a16="http://schemas.microsoft.com/office/drawing/2014/main" id="{ADFC800F-50BA-4CF3-A09B-FA555152FC5E}"/>
-              </a:ext>
-            </a:extLst>
-          </p:cNvPr>
-          <p:cNvSpPr txBox="1"/>
-          <p:nvPr/>
-        </p:nvSpPr>
-        <p:spPr>
-          <a:xfrm>
-            <a:off x="5879032" y="1481957"/>
-            <a:ext cx="1336875" cy="307777"/>
-          </a:xfrm>
-          <a:prstGeom prst="rect">
-            <a:avLst/>
-          </a:prstGeom>
-          <a:noFill/>
-        </p:spPr>
-        <p:txBody>
-          <a:bodyPr wrap="square" rtlCol="0">
-            <a:spAutoFit/>
-          </a:bodyPr>
-          <a:lstStyle/>
-          <a:p>
-            <a:r>
-              <a:rPr lang="en-US" altLang="ko-KR" sz="1400" dirty="0">
+            </a:ln>
+          </p:spPr>
+          <p:style>
+            <a:lnRef idx="2">
+              <a:schemeClr val="accent1">
+                <a:shade val="50000"/>
+              </a:schemeClr>
+            </a:lnRef>
+            <a:fillRef idx="1">
+              <a:schemeClr val="accent1"/>
+            </a:fillRef>
+            <a:effectRef idx="0">
+              <a:schemeClr val="accent1"/>
+            </a:effectRef>
+            <a:fontRef idx="minor">
+              <a:schemeClr val="lt1"/>
+            </a:fontRef>
+          </p:style>
+          <p:txBody>
+            <a:bodyPr rtlCol="0" anchor="ctr"/>
+            <a:lstStyle/>
+            <a:p>
+              <a:pPr algn="ctr"/>
+              <a:endParaRPr lang="ko-KR" altLang="en-US"/>
+            </a:p>
+          </p:txBody>
+        </p:sp>
+        <p:sp>
+          <p:nvSpPr>
+            <p:cNvPr id="25" name="사각형: 둥근 모서리 24">
+              <a:extLst>
+                <a:ext uri="{FF2B5EF4-FFF2-40B4-BE49-F238E27FC236}">
+                  <a16:creationId xmlns:a16="http://schemas.microsoft.com/office/drawing/2014/main" id="{61E4C9D4-AA7C-4FAC-AFB7-8C51F6E3CBF1}"/>
+                </a:ext>
+              </a:extLst>
+            </p:cNvPr>
+            <p:cNvSpPr/>
+            <p:nvPr/>
+          </p:nvSpPr>
+          <p:spPr>
+            <a:xfrm>
+              <a:off x="4558131" y="1620457"/>
+              <a:ext cx="184128" cy="45719"/>
+            </a:xfrm>
+            <a:prstGeom prst="roundRect">
+              <a:avLst/>
+            </a:prstGeom>
+            <a:solidFill>
+              <a:schemeClr val="bg1"/>
+            </a:solidFill>
+            <a:ln>
+              <a:noFill/>
+            </a:ln>
+          </p:spPr>
+          <p:style>
+            <a:lnRef idx="2">
+              <a:schemeClr val="accent1">
+                <a:shade val="50000"/>
+              </a:schemeClr>
+            </a:lnRef>
+            <a:fillRef idx="1">
+              <a:schemeClr val="accent1"/>
+            </a:fillRef>
+            <a:effectRef idx="0">
+              <a:schemeClr val="accent1"/>
+            </a:effectRef>
+            <a:fontRef idx="minor">
+              <a:schemeClr val="lt1"/>
+            </a:fontRef>
+          </p:style>
+          <p:txBody>
+            <a:bodyPr rtlCol="0" anchor="ctr"/>
+            <a:lstStyle/>
+            <a:p>
+              <a:pPr algn="ctr"/>
+              <a:endParaRPr lang="ko-KR" altLang="en-US"/>
+            </a:p>
+          </p:txBody>
+        </p:sp>
+        <p:sp>
+          <p:nvSpPr>
+            <p:cNvPr id="26" name="사각형: 둥근 모서리 25">
+              <a:extLst>
+                <a:ext uri="{FF2B5EF4-FFF2-40B4-BE49-F238E27FC236}">
+                  <a16:creationId xmlns:a16="http://schemas.microsoft.com/office/drawing/2014/main" id="{A105ADF1-A3DD-4E82-B136-65E3C4A13671}"/>
+                </a:ext>
+              </a:extLst>
+            </p:cNvPr>
+            <p:cNvSpPr/>
+            <p:nvPr/>
+          </p:nvSpPr>
+          <p:spPr>
+            <a:xfrm>
+              <a:off x="6937899" y="1492848"/>
+              <a:ext cx="347472" cy="289153"/>
+            </a:xfrm>
+            <a:prstGeom prst="roundRect">
+              <a:avLst/>
+            </a:prstGeom>
+            <a:solidFill>
+              <a:schemeClr val="bg1"/>
+            </a:solidFill>
+            <a:ln>
+              <a:noFill/>
+            </a:ln>
+          </p:spPr>
+          <p:style>
+            <a:lnRef idx="2">
+              <a:schemeClr val="accent1">
+                <a:shade val="50000"/>
+              </a:schemeClr>
+            </a:lnRef>
+            <a:fillRef idx="1">
+              <a:schemeClr val="accent1"/>
+            </a:fillRef>
+            <a:effectRef idx="0">
+              <a:schemeClr val="accent1"/>
+            </a:effectRef>
+            <a:fontRef idx="minor">
+              <a:schemeClr val="lt1"/>
+            </a:fontRef>
+          </p:style>
+          <p:txBody>
+            <a:bodyPr rtlCol="0" anchor="ctr"/>
+            <a:lstStyle/>
+            <a:p>
+              <a:pPr algn="ctr"/>
+              <a:endParaRPr lang="ko-KR" altLang="en-US"/>
+            </a:p>
+          </p:txBody>
+        </p:sp>
+        <p:sp>
+          <p:nvSpPr>
+            <p:cNvPr id="27" name="TextBox 26">
+              <a:extLst>
+                <a:ext uri="{FF2B5EF4-FFF2-40B4-BE49-F238E27FC236}">
+                  <a16:creationId xmlns:a16="http://schemas.microsoft.com/office/drawing/2014/main" id="{D4D73FB6-F8E2-4BBB-A343-3264A996DC92}"/>
+                </a:ext>
+              </a:extLst>
+            </p:cNvPr>
+            <p:cNvSpPr txBox="1"/>
+            <p:nvPr/>
+          </p:nvSpPr>
+          <p:spPr>
+            <a:xfrm>
+              <a:off x="6959467" y="1462068"/>
+              <a:ext cx="286396" cy="338554"/>
+            </a:xfrm>
+            <a:prstGeom prst="rect">
+              <a:avLst/>
+            </a:prstGeom>
+            <a:noFill/>
+          </p:spPr>
+          <p:txBody>
+            <a:bodyPr wrap="square" rtlCol="0">
+              <a:spAutoFit/>
+            </a:bodyPr>
+            <a:lstStyle/>
+            <a:p>
+              <a:r>
+                <a:rPr lang="en-US" altLang="ko-KR" sz="1600" b="1" dirty="0">
+                  <a:solidFill>
+                    <a:srgbClr val="242333"/>
+                  </a:solidFill>
+                </a:rPr>
+                <a:t>0</a:t>
+              </a:r>
+              <a:endParaRPr lang="ko-KR" altLang="en-US" sz="1600" b="1" dirty="0">
                 <a:solidFill>
-                  <a:schemeClr val="bg1"/>
+                  <a:srgbClr val="242333"/>
                 </a:solidFill>
-              </a:rPr>
-              <a:t>Adult</a:t>
-            </a:r>
-            <a:endParaRPr lang="ko-KR" altLang="en-US" sz="1400" dirty="0">
+              </a:endParaRPr>
+            </a:p>
+          </p:txBody>
+        </p:sp>
+        <p:sp>
+          <p:nvSpPr>
+            <p:cNvPr id="28" name="사각형: 둥근 모서리 27">
+              <a:extLst>
+                <a:ext uri="{FF2B5EF4-FFF2-40B4-BE49-F238E27FC236}">
+                  <a16:creationId xmlns:a16="http://schemas.microsoft.com/office/drawing/2014/main" id="{58546F61-01AD-4F92-84F3-F3D46F3ADD2E}"/>
+                </a:ext>
+              </a:extLst>
+            </p:cNvPr>
+            <p:cNvSpPr/>
+            <p:nvPr/>
+          </p:nvSpPr>
+          <p:spPr>
+            <a:xfrm>
+              <a:off x="7325624" y="1499007"/>
+              <a:ext cx="282526" cy="282994"/>
+            </a:xfrm>
+            <a:prstGeom prst="roundRect">
+              <a:avLst/>
+            </a:prstGeom>
+            <a:noFill/>
+            <a:ln>
               <a:solidFill>
                 <a:schemeClr val="bg1"/>
               </a:solidFill>
-            </a:endParaRPr>
-          </a:p>
-        </p:txBody>
-      </p:sp>
-      <p:pic>
-        <p:nvPicPr>
-          <p:cNvPr id="12" name="그림 11">
-            <a:extLst>
-              <a:ext uri="{FF2B5EF4-FFF2-40B4-BE49-F238E27FC236}">
-                <a16:creationId xmlns:a16="http://schemas.microsoft.com/office/drawing/2014/main" id="{D8BA1EBF-CC05-4D60-86FE-F6192BD21E12}"/>
-              </a:ext>
-            </a:extLst>
-          </p:cNvPr>
-          <p:cNvPicPr>
-            <a:picLocks noChangeAspect="1"/>
-          </p:cNvPicPr>
-          <p:nvPr/>
-        </p:nvPicPr>
-        <p:blipFill rotWithShape="1">
-          <a:blip r:embed="rId2"/>
-          <a:srcRect l="26529" t="29641" r="28843" b="9118"/>
-          <a:stretch/>
-        </p:blipFill>
-        <p:spPr>
-          <a:xfrm>
-            <a:off x="3984990" y="2042653"/>
-            <a:ext cx="3623160" cy="3564424"/>
-          </a:xfrm>
-          <a:prstGeom prst="rect">
-            <a:avLst/>
-          </a:prstGeom>
-        </p:spPr>
-      </p:pic>
-      <p:sp>
-        <p:nvSpPr>
-          <p:cNvPr id="3" name="사각형: 둥근 모서리 2">
-            <a:extLst>
-              <a:ext uri="{FF2B5EF4-FFF2-40B4-BE49-F238E27FC236}">
-                <a16:creationId xmlns:a16="http://schemas.microsoft.com/office/drawing/2014/main" id="{D5E0ABE8-03CF-48C3-BC49-ECE3F3745AEA}"/>
-              </a:ext>
-            </a:extLst>
-          </p:cNvPr>
-          <p:cNvSpPr/>
-          <p:nvPr/>
-        </p:nvSpPr>
-        <p:spPr>
-          <a:xfrm>
-            <a:off x="4837774" y="1492848"/>
-            <a:ext cx="347472" cy="289153"/>
-          </a:xfrm>
-          <a:prstGeom prst="roundRect">
-            <a:avLst/>
-          </a:prstGeom>
-          <a:solidFill>
-            <a:schemeClr val="bg1"/>
-          </a:solidFill>
-          <a:ln>
-            <a:noFill/>
-          </a:ln>
-        </p:spPr>
-        <p:style>
-          <a:lnRef idx="2">
-            <a:schemeClr val="accent1">
-              <a:shade val="50000"/>
-            </a:schemeClr>
-          </a:lnRef>
-          <a:fillRef idx="1">
-            <a:schemeClr val="accent1"/>
-          </a:fillRef>
-          <a:effectRef idx="0">
-            <a:schemeClr val="accent1"/>
-          </a:effectRef>
-          <a:fontRef idx="minor">
-            <a:schemeClr val="lt1"/>
-          </a:fontRef>
-        </p:style>
-        <p:txBody>
-          <a:bodyPr rtlCol="0" anchor="ctr"/>
-          <a:lstStyle/>
-          <a:p>
-            <a:pPr algn="ctr"/>
-            <a:endParaRPr lang="ko-KR" altLang="en-US"/>
-          </a:p>
-        </p:txBody>
-      </p:sp>
-      <p:sp>
-        <p:nvSpPr>
-          <p:cNvPr id="13" name="TextBox 12">
-            <a:extLst>
-              <a:ext uri="{FF2B5EF4-FFF2-40B4-BE49-F238E27FC236}">
-                <a16:creationId xmlns:a16="http://schemas.microsoft.com/office/drawing/2014/main" id="{62F02B4A-1FE4-4E2F-88E6-AFB29C5EB7C1}"/>
-              </a:ext>
-            </a:extLst>
-          </p:cNvPr>
-          <p:cNvSpPr txBox="1"/>
-          <p:nvPr/>
-        </p:nvSpPr>
-        <p:spPr>
-          <a:xfrm>
-            <a:off x="4859342" y="1462068"/>
-            <a:ext cx="286396" cy="338554"/>
-          </a:xfrm>
-          <a:prstGeom prst="rect">
-            <a:avLst/>
-          </a:prstGeom>
-          <a:noFill/>
-        </p:spPr>
-        <p:txBody>
-          <a:bodyPr wrap="square" rtlCol="0">
-            <a:spAutoFit/>
-          </a:bodyPr>
-          <a:lstStyle/>
-          <a:p>
-            <a:r>
-              <a:rPr lang="en-US" altLang="ko-KR" sz="1600" b="1" dirty="0">
-                <a:solidFill>
-                  <a:srgbClr val="242333"/>
-                </a:solidFill>
-              </a:rPr>
-              <a:t>0</a:t>
-            </a:r>
-            <a:endParaRPr lang="ko-KR" altLang="en-US" sz="1600" b="1" dirty="0">
-              <a:solidFill>
-                <a:srgbClr val="242333"/>
-              </a:solidFill>
-            </a:endParaRPr>
-          </a:p>
-        </p:txBody>
-      </p:sp>
-      <p:sp>
-        <p:nvSpPr>
-          <p:cNvPr id="19" name="사각형: 둥근 모서리 18">
-            <a:extLst>
-              <a:ext uri="{FF2B5EF4-FFF2-40B4-BE49-F238E27FC236}">
-                <a16:creationId xmlns:a16="http://schemas.microsoft.com/office/drawing/2014/main" id="{0AFC50E2-28A1-49CB-B88E-CEDC30B5F06E}"/>
-              </a:ext>
-            </a:extLst>
-          </p:cNvPr>
-          <p:cNvSpPr/>
-          <p:nvPr/>
-        </p:nvSpPr>
-        <p:spPr>
-          <a:xfrm>
-            <a:off x="5225499" y="1499007"/>
-            <a:ext cx="282526" cy="282994"/>
-          </a:xfrm>
-          <a:prstGeom prst="roundRect">
-            <a:avLst/>
-          </a:prstGeom>
-          <a:noFill/>
-          <a:ln>
+            </a:ln>
+          </p:spPr>
+          <p:style>
+            <a:lnRef idx="2">
+              <a:schemeClr val="accent1">
+                <a:shade val="50000"/>
+              </a:schemeClr>
+            </a:lnRef>
+            <a:fillRef idx="1">
+              <a:schemeClr val="accent1"/>
+            </a:fillRef>
+            <a:effectRef idx="0">
+              <a:schemeClr val="accent1"/>
+            </a:effectRef>
+            <a:fontRef idx="minor">
+              <a:schemeClr val="lt1"/>
+            </a:fontRef>
+          </p:style>
+          <p:txBody>
+            <a:bodyPr rtlCol="0" anchor="ctr"/>
+            <a:lstStyle/>
+            <a:p>
+              <a:pPr algn="ctr"/>
+              <a:endParaRPr lang="ko-KR" altLang="en-US"/>
+            </a:p>
+          </p:txBody>
+        </p:sp>
+        <p:sp>
+          <p:nvSpPr>
+            <p:cNvPr id="29" name="십자형 28">
+              <a:extLst>
+                <a:ext uri="{FF2B5EF4-FFF2-40B4-BE49-F238E27FC236}">
+                  <a16:creationId xmlns:a16="http://schemas.microsoft.com/office/drawing/2014/main" id="{566F1A22-85B5-4FE8-979D-A9459DBBA1B4}"/>
+                </a:ext>
+              </a:extLst>
+            </p:cNvPr>
+            <p:cNvSpPr/>
+            <p:nvPr/>
+          </p:nvSpPr>
+          <p:spPr>
+            <a:xfrm>
+              <a:off x="7384711" y="1559416"/>
+              <a:ext cx="164485" cy="156825"/>
+            </a:xfrm>
+            <a:prstGeom prst="plus">
+              <a:avLst>
+                <a:gd name="adj" fmla="val 44652"/>
+              </a:avLst>
+            </a:prstGeom>
             <a:solidFill>
               <a:schemeClr val="bg1"/>
             </a:solidFill>
-          </a:ln>
-        </p:spPr>
-        <p:style>
-          <a:lnRef idx="2">
-            <a:schemeClr val="accent1">
-              <a:shade val="50000"/>
-            </a:schemeClr>
-          </a:lnRef>
-          <a:fillRef idx="1">
-            <a:schemeClr val="accent1"/>
-          </a:fillRef>
-          <a:effectRef idx="0">
-            <a:schemeClr val="accent1"/>
-          </a:effectRef>
-          <a:fontRef idx="minor">
-            <a:schemeClr val="lt1"/>
-          </a:fontRef>
-        </p:style>
-        <p:txBody>
-          <a:bodyPr rtlCol="0" anchor="ctr"/>
-          <a:lstStyle/>
-          <a:p>
-            <a:pPr algn="ctr"/>
-            <a:endParaRPr lang="ko-KR" altLang="en-US"/>
-          </a:p>
-        </p:txBody>
-      </p:sp>
-      <p:sp>
-        <p:nvSpPr>
-          <p:cNvPr id="21" name="십자형 20">
-            <a:extLst>
-              <a:ext uri="{FF2B5EF4-FFF2-40B4-BE49-F238E27FC236}">
-                <a16:creationId xmlns:a16="http://schemas.microsoft.com/office/drawing/2014/main" id="{972B5678-26B9-4AD5-9557-924C92766E8B}"/>
-              </a:ext>
-            </a:extLst>
-          </p:cNvPr>
-          <p:cNvSpPr/>
-          <p:nvPr/>
-        </p:nvSpPr>
-        <p:spPr>
-          <a:xfrm>
-            <a:off x="5284586" y="1559416"/>
-            <a:ext cx="164485" cy="156825"/>
-          </a:xfrm>
-          <a:prstGeom prst="plus">
-            <a:avLst>
-              <a:gd name="adj" fmla="val 44652"/>
-            </a:avLst>
-          </a:prstGeom>
-          <a:solidFill>
-            <a:schemeClr val="bg1"/>
-          </a:solidFill>
-          <a:ln>
+            <a:ln>
+              <a:noFill/>
+            </a:ln>
+          </p:spPr>
+          <p:style>
+            <a:lnRef idx="2">
+              <a:schemeClr val="accent1">
+                <a:shade val="50000"/>
+              </a:schemeClr>
+            </a:lnRef>
+            <a:fillRef idx="1">
+              <a:schemeClr val="accent1"/>
+            </a:fillRef>
+            <a:effectRef idx="0">
+              <a:schemeClr val="accent1"/>
+            </a:effectRef>
+            <a:fontRef idx="minor">
+              <a:schemeClr val="lt1"/>
+            </a:fontRef>
+          </p:style>
+          <p:txBody>
+            <a:bodyPr rtlCol="0" anchor="ctr"/>
+            <a:lstStyle/>
+            <a:p>
+              <a:pPr algn="ctr"/>
+              <a:endParaRPr lang="ko-KR" altLang="en-US"/>
+            </a:p>
+          </p:txBody>
+        </p:sp>
+        <p:sp>
+          <p:nvSpPr>
+            <p:cNvPr id="30" name="사각형: 둥근 모서리 29">
+              <a:extLst>
+                <a:ext uri="{FF2B5EF4-FFF2-40B4-BE49-F238E27FC236}">
+                  <a16:creationId xmlns:a16="http://schemas.microsoft.com/office/drawing/2014/main" id="{C8245F7A-FD47-44E4-BBA1-2963AD4EDAD7}"/>
+                </a:ext>
+              </a:extLst>
+            </p:cNvPr>
+            <p:cNvSpPr/>
+            <p:nvPr/>
+          </p:nvSpPr>
+          <p:spPr>
+            <a:xfrm>
+              <a:off x="6602469" y="1499007"/>
+              <a:ext cx="282526" cy="282994"/>
+            </a:xfrm>
+            <a:prstGeom prst="roundRect">
+              <a:avLst/>
+            </a:prstGeom>
             <a:noFill/>
-          </a:ln>
-        </p:spPr>
-        <p:style>
-          <a:lnRef idx="2">
-            <a:schemeClr val="accent1">
-              <a:shade val="50000"/>
-            </a:schemeClr>
-          </a:lnRef>
-          <a:fillRef idx="1">
-            <a:schemeClr val="accent1"/>
-          </a:fillRef>
-          <a:effectRef idx="0">
-            <a:schemeClr val="accent1"/>
-          </a:effectRef>
-          <a:fontRef idx="minor">
-            <a:schemeClr val="lt1"/>
-          </a:fontRef>
-        </p:style>
-        <p:txBody>
-          <a:bodyPr rtlCol="0" anchor="ctr"/>
-          <a:lstStyle/>
-          <a:p>
-            <a:pPr algn="ctr"/>
-            <a:endParaRPr lang="ko-KR" altLang="en-US"/>
-          </a:p>
-        </p:txBody>
-      </p:sp>
-      <p:sp>
-        <p:nvSpPr>
-          <p:cNvPr id="23" name="사각형: 둥근 모서리 22">
-            <a:extLst>
-              <a:ext uri="{FF2B5EF4-FFF2-40B4-BE49-F238E27FC236}">
-                <a16:creationId xmlns:a16="http://schemas.microsoft.com/office/drawing/2014/main" id="{EFC1902F-E8A9-423C-97F0-34D94C2ED454}"/>
-              </a:ext>
-            </a:extLst>
-          </p:cNvPr>
-          <p:cNvSpPr/>
-          <p:nvPr/>
-        </p:nvSpPr>
-        <p:spPr>
-          <a:xfrm>
-            <a:off x="4502344" y="1499007"/>
-            <a:ext cx="282526" cy="282994"/>
-          </a:xfrm>
-          <a:prstGeom prst="roundRect">
-            <a:avLst/>
-          </a:prstGeom>
-          <a:noFill/>
-          <a:ln>
+            <a:ln>
+              <a:solidFill>
+                <a:schemeClr val="bg1"/>
+              </a:solidFill>
+            </a:ln>
+          </p:spPr>
+          <p:style>
+            <a:lnRef idx="2">
+              <a:schemeClr val="accent1">
+                <a:shade val="50000"/>
+              </a:schemeClr>
+            </a:lnRef>
+            <a:fillRef idx="1">
+              <a:schemeClr val="accent1"/>
+            </a:fillRef>
+            <a:effectRef idx="0">
+              <a:schemeClr val="accent1"/>
+            </a:effectRef>
+            <a:fontRef idx="minor">
+              <a:schemeClr val="lt1"/>
+            </a:fontRef>
+          </p:style>
+          <p:txBody>
+            <a:bodyPr rtlCol="0" anchor="ctr"/>
+            <a:lstStyle/>
+            <a:p>
+              <a:pPr algn="ctr"/>
+              <a:endParaRPr lang="ko-KR" altLang="en-US"/>
+            </a:p>
+          </p:txBody>
+        </p:sp>
+        <p:sp>
+          <p:nvSpPr>
+            <p:cNvPr id="31" name="사각형: 둥근 모서리 30">
+              <a:extLst>
+                <a:ext uri="{FF2B5EF4-FFF2-40B4-BE49-F238E27FC236}">
+                  <a16:creationId xmlns:a16="http://schemas.microsoft.com/office/drawing/2014/main" id="{BC5C05D3-3E11-4D9F-BE31-7B4BB30FA588}"/>
+                </a:ext>
+              </a:extLst>
+            </p:cNvPr>
+            <p:cNvSpPr/>
+            <p:nvPr/>
+          </p:nvSpPr>
+          <p:spPr>
+            <a:xfrm>
+              <a:off x="6658256" y="1620457"/>
+              <a:ext cx="184128" cy="45719"/>
+            </a:xfrm>
+            <a:prstGeom prst="roundRect">
+              <a:avLst/>
+            </a:prstGeom>
             <a:solidFill>
               <a:schemeClr val="bg1"/>
             </a:solidFill>
-          </a:ln>
-        </p:spPr>
-        <p:style>
-          <a:lnRef idx="2">
-            <a:schemeClr val="accent1">
-              <a:shade val="50000"/>
-            </a:schemeClr>
-          </a:lnRef>
-          <a:fillRef idx="1">
-            <a:schemeClr val="accent1"/>
-          </a:fillRef>
-          <a:effectRef idx="0">
-            <a:schemeClr val="accent1"/>
-          </a:effectRef>
-          <a:fontRef idx="minor">
-            <a:schemeClr val="lt1"/>
-          </a:fontRef>
-        </p:style>
-        <p:txBody>
-          <a:bodyPr rtlCol="0" anchor="ctr"/>
-          <a:lstStyle/>
-          <a:p>
-            <a:pPr algn="ctr"/>
-            <a:endParaRPr lang="ko-KR" altLang="en-US"/>
-          </a:p>
-        </p:txBody>
-      </p:sp>
-      <p:sp>
-        <p:nvSpPr>
-          <p:cNvPr id="25" name="사각형: 둥근 모서리 24">
-            <a:extLst>
-              <a:ext uri="{FF2B5EF4-FFF2-40B4-BE49-F238E27FC236}">
-                <a16:creationId xmlns:a16="http://schemas.microsoft.com/office/drawing/2014/main" id="{61E4C9D4-AA7C-4FAC-AFB7-8C51F6E3CBF1}"/>
-              </a:ext>
-            </a:extLst>
-          </p:cNvPr>
-          <p:cNvSpPr/>
-          <p:nvPr/>
-        </p:nvSpPr>
-        <p:spPr>
-          <a:xfrm>
-            <a:off x="4558131" y="1620457"/>
-            <a:ext cx="184128" cy="45719"/>
-          </a:xfrm>
-          <a:prstGeom prst="roundRect">
-            <a:avLst/>
-          </a:prstGeom>
-          <a:solidFill>
-            <a:schemeClr val="bg1"/>
-          </a:solidFill>
-          <a:ln>
-            <a:noFill/>
-          </a:ln>
-        </p:spPr>
-        <p:style>
-          <a:lnRef idx="2">
-            <a:schemeClr val="accent1">
-              <a:shade val="50000"/>
-            </a:schemeClr>
-          </a:lnRef>
-          <a:fillRef idx="1">
-            <a:schemeClr val="accent1"/>
-          </a:fillRef>
-          <a:effectRef idx="0">
-            <a:schemeClr val="accent1"/>
-          </a:effectRef>
-          <a:fontRef idx="minor">
-            <a:schemeClr val="lt1"/>
-          </a:fontRef>
-        </p:style>
-        <p:txBody>
-          <a:bodyPr rtlCol="0" anchor="ctr"/>
-          <a:lstStyle/>
-          <a:p>
-            <a:pPr algn="ctr"/>
-            <a:endParaRPr lang="ko-KR" altLang="en-US"/>
-          </a:p>
-        </p:txBody>
-      </p:sp>
-      <p:sp>
-        <p:nvSpPr>
-          <p:cNvPr id="26" name="사각형: 둥근 모서리 25">
-            <a:extLst>
-              <a:ext uri="{FF2B5EF4-FFF2-40B4-BE49-F238E27FC236}">
-                <a16:creationId xmlns:a16="http://schemas.microsoft.com/office/drawing/2014/main" id="{A105ADF1-A3DD-4E82-B136-65E3C4A13671}"/>
-              </a:ext>
-            </a:extLst>
-          </p:cNvPr>
-          <p:cNvSpPr/>
-          <p:nvPr/>
-        </p:nvSpPr>
-        <p:spPr>
-          <a:xfrm>
-            <a:off x="6937899" y="1492848"/>
-            <a:ext cx="347472" cy="289153"/>
-          </a:xfrm>
-          <a:prstGeom prst="roundRect">
-            <a:avLst/>
-          </a:prstGeom>
-          <a:solidFill>
-            <a:schemeClr val="bg1"/>
-          </a:solidFill>
-          <a:ln>
-            <a:noFill/>
-          </a:ln>
-        </p:spPr>
-        <p:style>
-          <a:lnRef idx="2">
-            <a:schemeClr val="accent1">
-              <a:shade val="50000"/>
-            </a:schemeClr>
-          </a:lnRef>
-          <a:fillRef idx="1">
-            <a:schemeClr val="accent1"/>
-          </a:fillRef>
-          <a:effectRef idx="0">
-            <a:schemeClr val="accent1"/>
-          </a:effectRef>
-          <a:fontRef idx="minor">
-            <a:schemeClr val="lt1"/>
-          </a:fontRef>
-        </p:style>
-        <p:txBody>
-          <a:bodyPr rtlCol="0" anchor="ctr"/>
-          <a:lstStyle/>
-          <a:p>
-            <a:pPr algn="ctr"/>
-            <a:endParaRPr lang="ko-KR" altLang="en-US"/>
-          </a:p>
-        </p:txBody>
-      </p:sp>
-      <p:sp>
-        <p:nvSpPr>
-          <p:cNvPr id="27" name="TextBox 26">
-            <a:extLst>
-              <a:ext uri="{FF2B5EF4-FFF2-40B4-BE49-F238E27FC236}">
-                <a16:creationId xmlns:a16="http://schemas.microsoft.com/office/drawing/2014/main" id="{D4D73FB6-F8E2-4BBB-A343-3264A996DC92}"/>
-              </a:ext>
-            </a:extLst>
-          </p:cNvPr>
-          <p:cNvSpPr txBox="1"/>
-          <p:nvPr/>
-        </p:nvSpPr>
-        <p:spPr>
-          <a:xfrm>
-            <a:off x="6959467" y="1462068"/>
-            <a:ext cx="286396" cy="338554"/>
-          </a:xfrm>
-          <a:prstGeom prst="rect">
-            <a:avLst/>
-          </a:prstGeom>
-          <a:noFill/>
-        </p:spPr>
-        <p:txBody>
-          <a:bodyPr wrap="square" rtlCol="0">
-            <a:spAutoFit/>
-          </a:bodyPr>
-          <a:lstStyle/>
-          <a:p>
-            <a:r>
-              <a:rPr lang="en-US" altLang="ko-KR" sz="1600" b="1" dirty="0">
-                <a:solidFill>
-                  <a:srgbClr val="242333"/>
-                </a:solidFill>
-              </a:rPr>
-              <a:t>0</a:t>
-            </a:r>
-            <a:endParaRPr lang="ko-KR" altLang="en-US" sz="1600" b="1" dirty="0">
-              <a:solidFill>
-                <a:srgbClr val="242333"/>
-              </a:solidFill>
-            </a:endParaRPr>
-          </a:p>
-        </p:txBody>
-      </p:sp>
-      <p:sp>
-        <p:nvSpPr>
-          <p:cNvPr id="28" name="사각형: 둥근 모서리 27">
-            <a:extLst>
-              <a:ext uri="{FF2B5EF4-FFF2-40B4-BE49-F238E27FC236}">
-                <a16:creationId xmlns:a16="http://schemas.microsoft.com/office/drawing/2014/main" id="{58546F61-01AD-4F92-84F3-F3D46F3ADD2E}"/>
-              </a:ext>
-            </a:extLst>
-          </p:cNvPr>
-          <p:cNvSpPr/>
-          <p:nvPr/>
-        </p:nvSpPr>
-        <p:spPr>
-          <a:xfrm>
-            <a:off x="7325624" y="1499007"/>
-            <a:ext cx="282526" cy="282994"/>
-          </a:xfrm>
-          <a:prstGeom prst="roundRect">
-            <a:avLst/>
-          </a:prstGeom>
-          <a:noFill/>
-          <a:ln>
+            <a:ln>
+              <a:noFill/>
+            </a:ln>
+          </p:spPr>
+          <p:style>
+            <a:lnRef idx="2">
+              <a:schemeClr val="accent1">
+                <a:shade val="50000"/>
+              </a:schemeClr>
+            </a:lnRef>
+            <a:fillRef idx="1">
+              <a:schemeClr val="accent1"/>
+            </a:fillRef>
+            <a:effectRef idx="0">
+              <a:schemeClr val="accent1"/>
+            </a:effectRef>
+            <a:fontRef idx="minor">
+              <a:schemeClr val="lt1"/>
+            </a:fontRef>
+          </p:style>
+          <p:txBody>
+            <a:bodyPr rtlCol="0" anchor="ctr"/>
+            <a:lstStyle/>
+            <a:p>
+              <a:pPr algn="ctr"/>
+              <a:endParaRPr lang="ko-KR" altLang="en-US"/>
+            </a:p>
+          </p:txBody>
+        </p:sp>
+        <p:sp>
+          <p:nvSpPr>
+            <p:cNvPr id="4" name="직사각형 3">
+              <a:extLst>
+                <a:ext uri="{FF2B5EF4-FFF2-40B4-BE49-F238E27FC236}">
+                  <a16:creationId xmlns:a16="http://schemas.microsoft.com/office/drawing/2014/main" id="{2A3F3C6C-4E6A-40CF-B2E1-6D6E355DC0E0}"/>
+                </a:ext>
+              </a:extLst>
+            </p:cNvPr>
+            <p:cNvSpPr/>
+            <p:nvPr/>
+          </p:nvSpPr>
+          <p:spPr>
+            <a:xfrm>
+              <a:off x="2751080" y="788875"/>
+              <a:ext cx="6090980" cy="525874"/>
+            </a:xfrm>
+            <a:prstGeom prst="rect">
+              <a:avLst/>
+            </a:prstGeom>
             <a:solidFill>
-              <a:schemeClr val="bg1"/>
+              <a:srgbClr val="FFFFFF">
+                <a:alpha val="27843"/>
+              </a:srgbClr>
             </a:solidFill>
-          </a:ln>
-        </p:spPr>
-        <p:style>
-          <a:lnRef idx="2">
-            <a:schemeClr val="accent1">
-              <a:shade val="50000"/>
-            </a:schemeClr>
-          </a:lnRef>
-          <a:fillRef idx="1">
-            <a:schemeClr val="accent1"/>
-          </a:fillRef>
-          <a:effectRef idx="0">
-            <a:schemeClr val="accent1"/>
-          </a:effectRef>
-          <a:fontRef idx="minor">
-            <a:schemeClr val="lt1"/>
-          </a:fontRef>
-        </p:style>
-        <p:txBody>
-          <a:bodyPr rtlCol="0" anchor="ctr"/>
-          <a:lstStyle/>
-          <a:p>
-            <a:pPr algn="ctr"/>
-            <a:endParaRPr lang="ko-KR" altLang="en-US"/>
-          </a:p>
-        </p:txBody>
-      </p:sp>
-      <p:sp>
-        <p:nvSpPr>
-          <p:cNvPr id="29" name="십자형 28">
-            <a:extLst>
-              <a:ext uri="{FF2B5EF4-FFF2-40B4-BE49-F238E27FC236}">
-                <a16:creationId xmlns:a16="http://schemas.microsoft.com/office/drawing/2014/main" id="{566F1A22-85B5-4FE8-979D-A9459DBBA1B4}"/>
-              </a:ext>
-            </a:extLst>
-          </p:cNvPr>
-          <p:cNvSpPr/>
-          <p:nvPr/>
-        </p:nvSpPr>
-        <p:spPr>
-          <a:xfrm>
-            <a:off x="7384711" y="1559416"/>
-            <a:ext cx="164485" cy="156825"/>
-          </a:xfrm>
-          <a:prstGeom prst="plus">
-            <a:avLst>
-              <a:gd name="adj" fmla="val 44652"/>
-            </a:avLst>
-          </a:prstGeom>
-          <a:solidFill>
-            <a:schemeClr val="bg1"/>
-          </a:solidFill>
-          <a:ln>
-            <a:noFill/>
-          </a:ln>
-        </p:spPr>
-        <p:style>
-          <a:lnRef idx="2">
-            <a:schemeClr val="accent1">
-              <a:shade val="50000"/>
-            </a:schemeClr>
-          </a:lnRef>
-          <a:fillRef idx="1">
-            <a:schemeClr val="accent1"/>
-          </a:fillRef>
-          <a:effectRef idx="0">
-            <a:schemeClr val="accent1"/>
-          </a:effectRef>
-          <a:fontRef idx="minor">
-            <a:schemeClr val="lt1"/>
-          </a:fontRef>
-        </p:style>
-        <p:txBody>
-          <a:bodyPr rtlCol="0" anchor="ctr"/>
-          <a:lstStyle/>
-          <a:p>
-            <a:pPr algn="ctr"/>
-            <a:endParaRPr lang="ko-KR" altLang="en-US"/>
-          </a:p>
-        </p:txBody>
-      </p:sp>
-      <p:sp>
-        <p:nvSpPr>
-          <p:cNvPr id="30" name="사각형: 둥근 모서리 29">
-            <a:extLst>
-              <a:ext uri="{FF2B5EF4-FFF2-40B4-BE49-F238E27FC236}">
-                <a16:creationId xmlns:a16="http://schemas.microsoft.com/office/drawing/2014/main" id="{C8245F7A-FD47-44E4-BBA1-2963AD4EDAD7}"/>
-              </a:ext>
-            </a:extLst>
-          </p:cNvPr>
-          <p:cNvSpPr/>
-          <p:nvPr/>
-        </p:nvSpPr>
-        <p:spPr>
-          <a:xfrm>
-            <a:off x="6602469" y="1499007"/>
-            <a:ext cx="282526" cy="282994"/>
-          </a:xfrm>
-          <a:prstGeom prst="roundRect">
-            <a:avLst/>
-          </a:prstGeom>
-          <a:noFill/>
-          <a:ln>
+          </p:spPr>
+          <p:style>
+            <a:lnRef idx="2">
+              <a:schemeClr val="accent1">
+                <a:shade val="50000"/>
+              </a:schemeClr>
+            </a:lnRef>
+            <a:fillRef idx="1">
+              <a:schemeClr val="accent1"/>
+            </a:fillRef>
+            <a:effectRef idx="0">
+              <a:schemeClr val="accent1"/>
+            </a:effectRef>
+            <a:fontRef idx="minor">
+              <a:schemeClr val="lt1"/>
+            </a:fontRef>
+          </p:style>
+          <p:txBody>
+            <a:bodyPr rtlCol="0" anchor="ctr"/>
+            <a:lstStyle/>
+            <a:p>
+              <a:pPr algn="ctr"/>
+              <a:endParaRPr lang="ko-KR" altLang="en-US"/>
+            </a:p>
+          </p:txBody>
+        </p:sp>
+        <p:sp>
+          <p:nvSpPr>
+            <p:cNvPr id="22" name="직사각형 21">
+              <a:extLst>
+                <a:ext uri="{FF2B5EF4-FFF2-40B4-BE49-F238E27FC236}">
+                  <a16:creationId xmlns:a16="http://schemas.microsoft.com/office/drawing/2014/main" id="{22DDB404-6744-49EE-B6CB-C7AC0CF40880}"/>
+                </a:ext>
+              </a:extLst>
+            </p:cNvPr>
+            <p:cNvSpPr/>
+            <p:nvPr/>
+          </p:nvSpPr>
+          <p:spPr>
+            <a:xfrm>
+              <a:off x="2751080" y="1415764"/>
+              <a:ext cx="6090980" cy="525874"/>
+            </a:xfrm>
+            <a:prstGeom prst="rect">
+              <a:avLst/>
+            </a:prstGeom>
             <a:solidFill>
-              <a:schemeClr val="bg1"/>
+              <a:srgbClr val="FFFFFF">
+                <a:alpha val="27843"/>
+              </a:srgbClr>
             </a:solidFill>
-          </a:ln>
-        </p:spPr>
-        <p:style>
-          <a:lnRef idx="2">
-            <a:schemeClr val="accent1">
-              <a:shade val="50000"/>
-            </a:schemeClr>
-          </a:lnRef>
-          <a:fillRef idx="1">
-            <a:schemeClr val="accent1"/>
-          </a:fillRef>
-          <a:effectRef idx="0">
-            <a:schemeClr val="accent1"/>
-          </a:effectRef>
-          <a:fontRef idx="minor">
-            <a:schemeClr val="lt1"/>
-          </a:fontRef>
-        </p:style>
-        <p:txBody>
-          <a:bodyPr rtlCol="0" anchor="ctr"/>
-          <a:lstStyle/>
-          <a:p>
-            <a:pPr algn="ctr"/>
-            <a:endParaRPr lang="ko-KR" altLang="en-US"/>
-          </a:p>
-        </p:txBody>
-      </p:sp>
-      <p:sp>
-        <p:nvSpPr>
-          <p:cNvPr id="31" name="사각형: 둥근 모서리 30">
-            <a:extLst>
-              <a:ext uri="{FF2B5EF4-FFF2-40B4-BE49-F238E27FC236}">
-                <a16:creationId xmlns:a16="http://schemas.microsoft.com/office/drawing/2014/main" id="{BC5C05D3-3E11-4D9F-BE31-7B4BB30FA588}"/>
-              </a:ext>
-            </a:extLst>
-          </p:cNvPr>
-          <p:cNvSpPr/>
-          <p:nvPr/>
-        </p:nvSpPr>
-        <p:spPr>
-          <a:xfrm>
-            <a:off x="6658256" y="1620457"/>
-            <a:ext cx="184128" cy="45719"/>
-          </a:xfrm>
-          <a:prstGeom prst="roundRect">
-            <a:avLst/>
-          </a:prstGeom>
-          <a:solidFill>
-            <a:schemeClr val="bg1"/>
-          </a:solidFill>
-          <a:ln>
-            <a:noFill/>
-          </a:ln>
-        </p:spPr>
-        <p:style>
-          <a:lnRef idx="2">
-            <a:schemeClr val="accent1">
-              <a:shade val="50000"/>
-            </a:schemeClr>
-          </a:lnRef>
-          <a:fillRef idx="1">
-            <a:schemeClr val="accent1"/>
-          </a:fillRef>
-          <a:effectRef idx="0">
-            <a:schemeClr val="accent1"/>
-          </a:effectRef>
-          <a:fontRef idx="minor">
-            <a:schemeClr val="lt1"/>
-          </a:fontRef>
-        </p:style>
-        <p:txBody>
-          <a:bodyPr rtlCol="0" anchor="ctr"/>
-          <a:lstStyle/>
-          <a:p>
-            <a:pPr algn="ctr"/>
-            <a:endParaRPr lang="ko-KR" altLang="en-US"/>
-          </a:p>
-        </p:txBody>
-      </p:sp>
+          </p:spPr>
+          <p:style>
+            <a:lnRef idx="2">
+              <a:schemeClr val="accent1">
+                <a:shade val="50000"/>
+              </a:schemeClr>
+            </a:lnRef>
+            <a:fillRef idx="1">
+              <a:schemeClr val="accent1"/>
+            </a:fillRef>
+            <a:effectRef idx="0">
+              <a:schemeClr val="accent1"/>
+            </a:effectRef>
+            <a:fontRef idx="minor">
+              <a:schemeClr val="lt1"/>
+            </a:fontRef>
+          </p:style>
+          <p:txBody>
+            <a:bodyPr rtlCol="0" anchor="ctr"/>
+            <a:lstStyle/>
+            <a:p>
+              <a:pPr algn="ctr"/>
+              <a:endParaRPr lang="ko-KR" altLang="en-US"/>
+            </a:p>
+          </p:txBody>
+        </p:sp>
+        <p:sp>
+          <p:nvSpPr>
+            <p:cNvPr id="24" name="직사각형 23">
+              <a:extLst>
+                <a:ext uri="{FF2B5EF4-FFF2-40B4-BE49-F238E27FC236}">
+                  <a16:creationId xmlns:a16="http://schemas.microsoft.com/office/drawing/2014/main" id="{1652C9F8-4885-4644-901E-A6D010569ACD}"/>
+                </a:ext>
+              </a:extLst>
+            </p:cNvPr>
+            <p:cNvSpPr/>
+            <p:nvPr/>
+          </p:nvSpPr>
+          <p:spPr>
+            <a:xfrm>
+              <a:off x="2751080" y="2042653"/>
+              <a:ext cx="6090980" cy="2520382"/>
+            </a:xfrm>
+            <a:prstGeom prst="rect">
+              <a:avLst/>
+            </a:prstGeom>
+            <a:solidFill>
+              <a:srgbClr val="FFFFFF">
+                <a:alpha val="27843"/>
+              </a:srgbClr>
+            </a:solidFill>
+          </p:spPr>
+          <p:style>
+            <a:lnRef idx="2">
+              <a:schemeClr val="accent1">
+                <a:shade val="50000"/>
+              </a:schemeClr>
+            </a:lnRef>
+            <a:fillRef idx="1">
+              <a:schemeClr val="accent1"/>
+            </a:fillRef>
+            <a:effectRef idx="0">
+              <a:schemeClr val="accent1"/>
+            </a:effectRef>
+            <a:fontRef idx="minor">
+              <a:schemeClr val="lt1"/>
+            </a:fontRef>
+          </p:style>
+          <p:txBody>
+            <a:bodyPr rtlCol="0" anchor="ctr"/>
+            <a:lstStyle/>
+            <a:p>
+              <a:pPr algn="ctr"/>
+              <a:endParaRPr lang="ko-KR" altLang="en-US"/>
+            </a:p>
+          </p:txBody>
+        </p:sp>
+        <p:sp>
+          <p:nvSpPr>
+            <p:cNvPr id="32" name="직사각형 31">
+              <a:extLst>
+                <a:ext uri="{FF2B5EF4-FFF2-40B4-BE49-F238E27FC236}">
+                  <a16:creationId xmlns:a16="http://schemas.microsoft.com/office/drawing/2014/main" id="{A414CB6F-EC9D-40E0-AEF5-3696135982BA}"/>
+                </a:ext>
+              </a:extLst>
+            </p:cNvPr>
+            <p:cNvSpPr/>
+            <p:nvPr/>
+          </p:nvSpPr>
+          <p:spPr>
+            <a:xfrm>
+              <a:off x="2751080" y="4640103"/>
+              <a:ext cx="6090980" cy="296635"/>
+            </a:xfrm>
+            <a:prstGeom prst="rect">
+              <a:avLst/>
+            </a:prstGeom>
+            <a:solidFill>
+              <a:srgbClr val="FFFFFF">
+                <a:alpha val="27843"/>
+              </a:srgbClr>
+            </a:solidFill>
+          </p:spPr>
+          <p:style>
+            <a:lnRef idx="2">
+              <a:schemeClr val="accent1">
+                <a:shade val="50000"/>
+              </a:schemeClr>
+            </a:lnRef>
+            <a:fillRef idx="1">
+              <a:schemeClr val="accent1"/>
+            </a:fillRef>
+            <a:effectRef idx="0">
+              <a:schemeClr val="accent1"/>
+            </a:effectRef>
+            <a:fontRef idx="minor">
+              <a:schemeClr val="lt1"/>
+            </a:fontRef>
+          </p:style>
+          <p:txBody>
+            <a:bodyPr rtlCol="0" anchor="ctr"/>
+            <a:lstStyle/>
+            <a:p>
+              <a:pPr algn="ctr"/>
+              <a:endParaRPr lang="ko-KR" altLang="en-US"/>
+            </a:p>
+          </p:txBody>
+        </p:sp>
+        <p:sp>
+          <p:nvSpPr>
+            <p:cNvPr id="33" name="직사각형 32">
+              <a:extLst>
+                <a:ext uri="{FF2B5EF4-FFF2-40B4-BE49-F238E27FC236}">
+                  <a16:creationId xmlns:a16="http://schemas.microsoft.com/office/drawing/2014/main" id="{0A7133CF-F99A-4BD7-BDFD-DC34C51C204A}"/>
+                </a:ext>
+              </a:extLst>
+            </p:cNvPr>
+            <p:cNvSpPr/>
+            <p:nvPr/>
+          </p:nvSpPr>
+          <p:spPr>
+            <a:xfrm>
+              <a:off x="2751080" y="5022608"/>
+              <a:ext cx="6090980" cy="685484"/>
+            </a:xfrm>
+            <a:prstGeom prst="rect">
+              <a:avLst/>
+            </a:prstGeom>
+            <a:solidFill>
+              <a:srgbClr val="FFFFFF">
+                <a:alpha val="27843"/>
+              </a:srgbClr>
+            </a:solidFill>
+          </p:spPr>
+          <p:style>
+            <a:lnRef idx="2">
+              <a:schemeClr val="accent1">
+                <a:shade val="50000"/>
+              </a:schemeClr>
+            </a:lnRef>
+            <a:fillRef idx="1">
+              <a:schemeClr val="accent1"/>
+            </a:fillRef>
+            <a:effectRef idx="0">
+              <a:schemeClr val="accent1"/>
+            </a:effectRef>
+            <a:fontRef idx="minor">
+              <a:schemeClr val="lt1"/>
+            </a:fontRef>
+          </p:style>
+          <p:txBody>
+            <a:bodyPr rtlCol="0" anchor="ctr"/>
+            <a:lstStyle/>
+            <a:p>
+              <a:pPr algn="ctr"/>
+              <a:endParaRPr lang="ko-KR" altLang="en-US"/>
+            </a:p>
+          </p:txBody>
+        </p:sp>
+        <p:sp>
+          <p:nvSpPr>
+            <p:cNvPr id="34" name="직사각형 33">
+              <a:extLst>
+                <a:ext uri="{FF2B5EF4-FFF2-40B4-BE49-F238E27FC236}">
+                  <a16:creationId xmlns:a16="http://schemas.microsoft.com/office/drawing/2014/main" id="{221DE75E-9572-4548-97C1-B656A733D898}"/>
+                </a:ext>
+              </a:extLst>
+            </p:cNvPr>
+            <p:cNvSpPr/>
+            <p:nvPr/>
+          </p:nvSpPr>
+          <p:spPr>
+            <a:xfrm>
+              <a:off x="3427098" y="1459787"/>
+              <a:ext cx="2401159" cy="412778"/>
+            </a:xfrm>
+            <a:prstGeom prst="rect">
+              <a:avLst/>
+            </a:prstGeom>
+            <a:solidFill>
+              <a:schemeClr val="accent5">
+                <a:lumMod val="60000"/>
+                <a:lumOff val="40000"/>
+                <a:alpha val="27843"/>
+              </a:schemeClr>
+            </a:solidFill>
+            <a:ln>
+              <a:noFill/>
+            </a:ln>
+          </p:spPr>
+          <p:style>
+            <a:lnRef idx="2">
+              <a:schemeClr val="accent1">
+                <a:shade val="50000"/>
+              </a:schemeClr>
+            </a:lnRef>
+            <a:fillRef idx="1">
+              <a:schemeClr val="accent1"/>
+            </a:fillRef>
+            <a:effectRef idx="0">
+              <a:schemeClr val="accent1"/>
+            </a:effectRef>
+            <a:fontRef idx="minor">
+              <a:schemeClr val="lt1"/>
+            </a:fontRef>
+          </p:style>
+          <p:txBody>
+            <a:bodyPr rtlCol="0" anchor="ctr"/>
+            <a:lstStyle/>
+            <a:p>
+              <a:pPr algn="ctr"/>
+              <a:endParaRPr lang="ko-KR" altLang="en-US"/>
+            </a:p>
+          </p:txBody>
+        </p:sp>
+        <p:sp>
+          <p:nvSpPr>
+            <p:cNvPr id="35" name="직사각형 34">
+              <a:extLst>
+                <a:ext uri="{FF2B5EF4-FFF2-40B4-BE49-F238E27FC236}">
+                  <a16:creationId xmlns:a16="http://schemas.microsoft.com/office/drawing/2014/main" id="{D3BA34A2-4BC1-4EE0-BBB9-3A090457F59C}"/>
+                </a:ext>
+              </a:extLst>
+            </p:cNvPr>
+            <p:cNvSpPr/>
+            <p:nvPr/>
+          </p:nvSpPr>
+          <p:spPr>
+            <a:xfrm>
+              <a:off x="5857464" y="1459787"/>
+              <a:ext cx="2401159" cy="412778"/>
+            </a:xfrm>
+            <a:prstGeom prst="rect">
+              <a:avLst/>
+            </a:prstGeom>
+            <a:solidFill>
+              <a:schemeClr val="accent5">
+                <a:lumMod val="60000"/>
+                <a:lumOff val="40000"/>
+                <a:alpha val="27843"/>
+              </a:schemeClr>
+            </a:solidFill>
+            <a:ln>
+              <a:noFill/>
+            </a:ln>
+          </p:spPr>
+          <p:style>
+            <a:lnRef idx="2">
+              <a:schemeClr val="accent1">
+                <a:shade val="50000"/>
+              </a:schemeClr>
+            </a:lnRef>
+            <a:fillRef idx="1">
+              <a:schemeClr val="accent1"/>
+            </a:fillRef>
+            <a:effectRef idx="0">
+              <a:schemeClr val="accent1"/>
+            </a:effectRef>
+            <a:fontRef idx="minor">
+              <a:schemeClr val="lt1"/>
+            </a:fontRef>
+          </p:style>
+          <p:txBody>
+            <a:bodyPr rtlCol="0" anchor="ctr"/>
+            <a:lstStyle/>
+            <a:p>
+              <a:pPr algn="ctr"/>
+              <a:endParaRPr lang="ko-KR" altLang="en-US"/>
+            </a:p>
+          </p:txBody>
+        </p:sp>
+      </p:grpSp>
     </p:spTree>
     <p:extLst>
       <p:ext uri="{BB962C8B-B14F-4D97-AF65-F5344CB8AC3E}">

--- a/img/좌석선택 mockup.pptx
+++ b/img/좌석선택 mockup.pptx
@@ -260,7 +260,7 @@
           <a:p>
             <a:fld id="{EAE1E1A4-80F8-4040-B7A9-542A0CAE387C}" type="datetimeFigureOut">
               <a:rPr lang="ko-KR" altLang="en-US" smtClean="0"/>
-              <a:t>2020-06-27</a:t>
+              <a:t>2020-06-28</a:t>
             </a:fld>
             <a:endParaRPr lang="ko-KR" altLang="en-US"/>
           </a:p>
@@ -458,7 +458,7 @@
           <a:p>
             <a:fld id="{EAE1E1A4-80F8-4040-B7A9-542A0CAE387C}" type="datetimeFigureOut">
               <a:rPr lang="ko-KR" altLang="en-US" smtClean="0"/>
-              <a:t>2020-06-27</a:t>
+              <a:t>2020-06-28</a:t>
             </a:fld>
             <a:endParaRPr lang="ko-KR" altLang="en-US"/>
           </a:p>
@@ -666,7 +666,7 @@
           <a:p>
             <a:fld id="{EAE1E1A4-80F8-4040-B7A9-542A0CAE387C}" type="datetimeFigureOut">
               <a:rPr lang="ko-KR" altLang="en-US" smtClean="0"/>
-              <a:t>2020-06-27</a:t>
+              <a:t>2020-06-28</a:t>
             </a:fld>
             <a:endParaRPr lang="ko-KR" altLang="en-US"/>
           </a:p>
@@ -864,7 +864,7 @@
           <a:p>
             <a:fld id="{EAE1E1A4-80F8-4040-B7A9-542A0CAE387C}" type="datetimeFigureOut">
               <a:rPr lang="ko-KR" altLang="en-US" smtClean="0"/>
-              <a:t>2020-06-27</a:t>
+              <a:t>2020-06-28</a:t>
             </a:fld>
             <a:endParaRPr lang="ko-KR" altLang="en-US"/>
           </a:p>
@@ -1139,7 +1139,7 @@
           <a:p>
             <a:fld id="{EAE1E1A4-80F8-4040-B7A9-542A0CAE387C}" type="datetimeFigureOut">
               <a:rPr lang="ko-KR" altLang="en-US" smtClean="0"/>
-              <a:t>2020-06-27</a:t>
+              <a:t>2020-06-28</a:t>
             </a:fld>
             <a:endParaRPr lang="ko-KR" altLang="en-US"/>
           </a:p>
@@ -1404,7 +1404,7 @@
           <a:p>
             <a:fld id="{EAE1E1A4-80F8-4040-B7A9-542A0CAE387C}" type="datetimeFigureOut">
               <a:rPr lang="ko-KR" altLang="en-US" smtClean="0"/>
-              <a:t>2020-06-27</a:t>
+              <a:t>2020-06-28</a:t>
             </a:fld>
             <a:endParaRPr lang="ko-KR" altLang="en-US"/>
           </a:p>
@@ -1816,7 +1816,7 @@
           <a:p>
             <a:fld id="{EAE1E1A4-80F8-4040-B7A9-542A0CAE387C}" type="datetimeFigureOut">
               <a:rPr lang="ko-KR" altLang="en-US" smtClean="0"/>
-              <a:t>2020-06-27</a:t>
+              <a:t>2020-06-28</a:t>
             </a:fld>
             <a:endParaRPr lang="ko-KR" altLang="en-US"/>
           </a:p>
@@ -1957,7 +1957,7 @@
           <a:p>
             <a:fld id="{EAE1E1A4-80F8-4040-B7A9-542A0CAE387C}" type="datetimeFigureOut">
               <a:rPr lang="ko-KR" altLang="en-US" smtClean="0"/>
-              <a:t>2020-06-27</a:t>
+              <a:t>2020-06-28</a:t>
             </a:fld>
             <a:endParaRPr lang="ko-KR" altLang="en-US"/>
           </a:p>
@@ -2070,7 +2070,7 @@
           <a:p>
             <a:fld id="{EAE1E1A4-80F8-4040-B7A9-542A0CAE387C}" type="datetimeFigureOut">
               <a:rPr lang="ko-KR" altLang="en-US" smtClean="0"/>
-              <a:t>2020-06-27</a:t>
+              <a:t>2020-06-28</a:t>
             </a:fld>
             <a:endParaRPr lang="ko-KR" altLang="en-US"/>
           </a:p>
@@ -2381,7 +2381,7 @@
           <a:p>
             <a:fld id="{EAE1E1A4-80F8-4040-B7A9-542A0CAE387C}" type="datetimeFigureOut">
               <a:rPr lang="ko-KR" altLang="en-US" smtClean="0"/>
-              <a:t>2020-06-27</a:t>
+              <a:t>2020-06-28</a:t>
             </a:fld>
             <a:endParaRPr lang="ko-KR" altLang="en-US"/>
           </a:p>
@@ -2669,7 +2669,7 @@
           <a:p>
             <a:fld id="{EAE1E1A4-80F8-4040-B7A9-542A0CAE387C}" type="datetimeFigureOut">
               <a:rPr lang="ko-KR" altLang="en-US" smtClean="0"/>
-              <a:t>2020-06-27</a:t>
+              <a:t>2020-06-28</a:t>
             </a:fld>
             <a:endParaRPr lang="ko-KR" altLang="en-US"/>
           </a:p>
@@ -2910,7 +2910,7 @@
           <a:p>
             <a:fld id="{EAE1E1A4-80F8-4040-B7A9-542A0CAE387C}" type="datetimeFigureOut">
               <a:rPr lang="ko-KR" altLang="en-US" smtClean="0"/>
-              <a:t>2020-06-27</a:t>
+              <a:t>2020-06-28</a:t>
             </a:fld>
             <a:endParaRPr lang="ko-KR" altLang="en-US"/>
           </a:p>
@@ -3379,6 +3379,58 @@
           </a:prstGeom>
           <a:solidFill>
             <a:srgbClr val="242333"/>
+          </a:solidFill>
+          <a:ln>
+            <a:noFill/>
+          </a:ln>
+        </p:spPr>
+        <p:style>
+          <a:lnRef idx="2">
+            <a:schemeClr val="accent1">
+              <a:shade val="50000"/>
+            </a:schemeClr>
+          </a:lnRef>
+          <a:fillRef idx="1">
+            <a:schemeClr val="accent1"/>
+          </a:fillRef>
+          <a:effectRef idx="0">
+            <a:schemeClr val="accent1"/>
+          </a:effectRef>
+          <a:fontRef idx="minor">
+            <a:schemeClr val="lt1"/>
+          </a:fontRef>
+        </p:style>
+        <p:txBody>
+          <a:bodyPr rtlCol="0" anchor="ctr"/>
+          <a:lstStyle/>
+          <a:p>
+            <a:pPr algn="ctr"/>
+            <a:endParaRPr lang="ko-KR" altLang="en-US"/>
+          </a:p>
+        </p:txBody>
+      </p:sp>
+      <p:sp>
+        <p:nvSpPr>
+          <p:cNvPr id="6" name="직사각형 5">
+            <a:extLst>
+              <a:ext uri="{FF2B5EF4-FFF2-40B4-BE49-F238E27FC236}">
+                <a16:creationId xmlns:a16="http://schemas.microsoft.com/office/drawing/2014/main" id="{0C98264E-F36E-4FBC-B2BD-B2AC6C3F00C2}"/>
+              </a:ext>
+            </a:extLst>
+          </p:cNvPr>
+          <p:cNvSpPr/>
+          <p:nvPr/>
+        </p:nvSpPr>
+        <p:spPr>
+          <a:xfrm>
+            <a:off x="9997440" y="3608832"/>
+            <a:ext cx="1670304" cy="938784"/>
+          </a:xfrm>
+          <a:prstGeom prst="rect">
+            <a:avLst/>
+          </a:prstGeom>
+          <a:solidFill>
+            <a:srgbClr val="444451"/>
           </a:solidFill>
           <a:ln>
             <a:noFill/>
